--- a/Pictures/summary.pptx
+++ b/Pictures/summary.pptx
@@ -6,6 +6,8 @@
   </p:sldMasterIdLst>
   <p:sldIdLst>
     <p:sldId id="256" r:id="rId2"/>
+    <p:sldId id="258" r:id="rId3"/>
+    <p:sldId id="257" r:id="rId4"/>
   </p:sldIdLst>
   <p:sldSz cx="12192000" cy="6858000"/>
   <p:notesSz cx="6858000" cy="9144000"/>
@@ -104,6 +106,11 @@
       </a:defRPr>
     </a:lvl9pPr>
   </p:defaultTextStyle>
+  <p:extLst>
+    <p:ext uri="{EFAFB233-063F-42B5-8137-9DF3F51BA10A}">
+      <p15:sldGuideLst xmlns:p15="http://schemas.microsoft.com/office/powerpoint/2012/main"/>
+    </p:ext>
+  </p:extLst>
 </p:presentation>
 </file>
 
@@ -3459,6 +3466,126 @@
 </p:sld>
 </file>
 
+<file path=ppt/slides/slide2.xml><?xml version="1.0" encoding="utf-8"?>
+<p:sld xmlns:a="http://schemas.openxmlformats.org/drawingml/2006/main" xmlns:r="http://schemas.openxmlformats.org/officeDocument/2006/relationships" xmlns:p="http://schemas.openxmlformats.org/presentationml/2006/main">
+  <p:cSld>
+    <p:spTree>
+      <p:nvGrpSpPr>
+        <p:cNvPr id="1" name=""/>
+        <p:cNvGrpSpPr/>
+        <p:nvPr/>
+      </p:nvGrpSpPr>
+      <p:grpSpPr>
+        <a:xfrm>
+          <a:off x="0" y="0"/>
+          <a:ext cx="0" cy="0"/>
+          <a:chOff x="0" y="0"/>
+          <a:chExt cx="0" cy="0"/>
+        </a:xfrm>
+      </p:grpSpPr>
+      <p:pic>
+        <p:nvPicPr>
+          <p:cNvPr id="2" name="图片 1">
+            <a:extLst>
+              <a:ext uri="{FF2B5EF4-FFF2-40B4-BE49-F238E27FC236}">
+                <a16:creationId xmlns:a16="http://schemas.microsoft.com/office/drawing/2014/main" id="{D8FBEB7C-A4CD-41C1-A887-B39B2C03FBC4}"/>
+              </a:ext>
+            </a:extLst>
+          </p:cNvPr>
+          <p:cNvPicPr>
+            <a:picLocks noChangeAspect="1"/>
+          </p:cNvPicPr>
+          <p:nvPr/>
+        </p:nvPicPr>
+        <p:blipFill>
+          <a:blip r:embed="rId2"/>
+          <a:stretch>
+            <a:fillRect/>
+          </a:stretch>
+        </p:blipFill>
+        <p:spPr>
+          <a:xfrm>
+            <a:off x="1485900" y="2076450"/>
+            <a:ext cx="9220200" cy="2705100"/>
+          </a:xfrm>
+          <a:prstGeom prst="rect">
+            <a:avLst/>
+          </a:prstGeom>
+        </p:spPr>
+      </p:pic>
+    </p:spTree>
+    <p:extLst>
+      <p:ext uri="{BB962C8B-B14F-4D97-AF65-F5344CB8AC3E}">
+        <p14:creationId xmlns:p14="http://schemas.microsoft.com/office/powerpoint/2010/main" val="389206369"/>
+      </p:ext>
+    </p:extLst>
+  </p:cSld>
+  <p:clrMapOvr>
+    <a:masterClrMapping/>
+  </p:clrMapOvr>
+</p:sld>
+</file>
+
+<file path=ppt/slides/slide3.xml><?xml version="1.0" encoding="utf-8"?>
+<p:sld xmlns:a="http://schemas.openxmlformats.org/drawingml/2006/main" xmlns:r="http://schemas.openxmlformats.org/officeDocument/2006/relationships" xmlns:p="http://schemas.openxmlformats.org/presentationml/2006/main">
+  <p:cSld>
+    <p:spTree>
+      <p:nvGrpSpPr>
+        <p:cNvPr id="1" name=""/>
+        <p:cNvGrpSpPr/>
+        <p:nvPr/>
+      </p:nvGrpSpPr>
+      <p:grpSpPr>
+        <a:xfrm>
+          <a:off x="0" y="0"/>
+          <a:ext cx="0" cy="0"/>
+          <a:chOff x="0" y="0"/>
+          <a:chExt cx="0" cy="0"/>
+        </a:xfrm>
+      </p:grpSpPr>
+      <p:pic>
+        <p:nvPicPr>
+          <p:cNvPr id="2" name="图片 1">
+            <a:extLst>
+              <a:ext uri="{FF2B5EF4-FFF2-40B4-BE49-F238E27FC236}">
+                <a16:creationId xmlns:a16="http://schemas.microsoft.com/office/drawing/2014/main" id="{EABA7683-219D-4C23-8393-956E709C10FD}"/>
+              </a:ext>
+            </a:extLst>
+          </p:cNvPr>
+          <p:cNvPicPr>
+            <a:picLocks noChangeAspect="1"/>
+          </p:cNvPicPr>
+          <p:nvPr/>
+        </p:nvPicPr>
+        <p:blipFill>
+          <a:blip r:embed="rId2"/>
+          <a:stretch>
+            <a:fillRect/>
+          </a:stretch>
+        </p:blipFill>
+        <p:spPr>
+          <a:xfrm>
+            <a:off x="1047750" y="2062162"/>
+            <a:ext cx="10096500" cy="2733675"/>
+          </a:xfrm>
+          <a:prstGeom prst="rect">
+            <a:avLst/>
+          </a:prstGeom>
+        </p:spPr>
+      </p:pic>
+    </p:spTree>
+    <p:extLst>
+      <p:ext uri="{BB962C8B-B14F-4D97-AF65-F5344CB8AC3E}">
+        <p14:creationId xmlns:p14="http://schemas.microsoft.com/office/powerpoint/2010/main" val="4078269433"/>
+      </p:ext>
+    </p:extLst>
+  </p:cSld>
+  <p:clrMapOvr>
+    <a:masterClrMapping/>
+  </p:clrMapOvr>
+</p:sld>
+</file>
+
 <file path=ppt/theme/theme1.xml><?xml version="1.0" encoding="utf-8"?>
 <a:theme xmlns:a="http://schemas.openxmlformats.org/drawingml/2006/main" name="Office 主题​​">
   <a:themeElements>

--- a/Pictures/summary.pptx
+++ b/Pictures/summary.pptx
@@ -263,7 +263,7 @@
           <a:p>
             <a:fld id="{3B8967A0-0866-43F6-A4C7-69C314AC543C}" type="datetimeFigureOut">
               <a:rPr lang="en-US" smtClean="0"/>
-              <a:t>12/3/2018</a:t>
+              <a:t>12/14/2018</a:t>
             </a:fld>
             <a:endParaRPr lang="en-US"/>
           </a:p>
@@ -463,7 +463,7 @@
           <a:p>
             <a:fld id="{3B8967A0-0866-43F6-A4C7-69C314AC543C}" type="datetimeFigureOut">
               <a:rPr lang="en-US" smtClean="0"/>
-              <a:t>12/3/2018</a:t>
+              <a:t>12/14/2018</a:t>
             </a:fld>
             <a:endParaRPr lang="en-US"/>
           </a:p>
@@ -673,7 +673,7 @@
           <a:p>
             <a:fld id="{3B8967A0-0866-43F6-A4C7-69C314AC543C}" type="datetimeFigureOut">
               <a:rPr lang="en-US" smtClean="0"/>
-              <a:t>12/3/2018</a:t>
+              <a:t>12/14/2018</a:t>
             </a:fld>
             <a:endParaRPr lang="en-US"/>
           </a:p>
@@ -873,7 +873,7 @@
           <a:p>
             <a:fld id="{3B8967A0-0866-43F6-A4C7-69C314AC543C}" type="datetimeFigureOut">
               <a:rPr lang="en-US" smtClean="0"/>
-              <a:t>12/3/2018</a:t>
+              <a:t>12/14/2018</a:t>
             </a:fld>
             <a:endParaRPr lang="en-US"/>
           </a:p>
@@ -1149,7 +1149,7 @@
           <a:p>
             <a:fld id="{3B8967A0-0866-43F6-A4C7-69C314AC543C}" type="datetimeFigureOut">
               <a:rPr lang="en-US" smtClean="0"/>
-              <a:t>12/3/2018</a:t>
+              <a:t>12/14/2018</a:t>
             </a:fld>
             <a:endParaRPr lang="en-US"/>
           </a:p>
@@ -1417,7 +1417,7 @@
           <a:p>
             <a:fld id="{3B8967A0-0866-43F6-A4C7-69C314AC543C}" type="datetimeFigureOut">
               <a:rPr lang="en-US" smtClean="0"/>
-              <a:t>12/3/2018</a:t>
+              <a:t>12/14/2018</a:t>
             </a:fld>
             <a:endParaRPr lang="en-US"/>
           </a:p>
@@ -1832,7 +1832,7 @@
           <a:p>
             <a:fld id="{3B8967A0-0866-43F6-A4C7-69C314AC543C}" type="datetimeFigureOut">
               <a:rPr lang="en-US" smtClean="0"/>
-              <a:t>12/3/2018</a:t>
+              <a:t>12/14/2018</a:t>
             </a:fld>
             <a:endParaRPr lang="en-US"/>
           </a:p>
@@ -1974,7 +1974,7 @@
           <a:p>
             <a:fld id="{3B8967A0-0866-43F6-A4C7-69C314AC543C}" type="datetimeFigureOut">
               <a:rPr lang="en-US" smtClean="0"/>
-              <a:t>12/3/2018</a:t>
+              <a:t>12/14/2018</a:t>
             </a:fld>
             <a:endParaRPr lang="en-US"/>
           </a:p>
@@ -2087,7 +2087,7 @@
           <a:p>
             <a:fld id="{3B8967A0-0866-43F6-A4C7-69C314AC543C}" type="datetimeFigureOut">
               <a:rPr lang="en-US" smtClean="0"/>
-              <a:t>12/3/2018</a:t>
+              <a:t>12/14/2018</a:t>
             </a:fld>
             <a:endParaRPr lang="en-US"/>
           </a:p>
@@ -2400,7 +2400,7 @@
           <a:p>
             <a:fld id="{3B8967A0-0866-43F6-A4C7-69C314AC543C}" type="datetimeFigureOut">
               <a:rPr lang="en-US" smtClean="0"/>
-              <a:t>12/3/2018</a:t>
+              <a:t>12/14/2018</a:t>
             </a:fld>
             <a:endParaRPr lang="en-US"/>
           </a:p>
@@ -2689,7 +2689,7 @@
           <a:p>
             <a:fld id="{3B8967A0-0866-43F6-A4C7-69C314AC543C}" type="datetimeFigureOut">
               <a:rPr lang="en-US" smtClean="0"/>
-              <a:t>12/3/2018</a:t>
+              <a:t>12/14/2018</a:t>
             </a:fld>
             <a:endParaRPr lang="en-US"/>
           </a:p>
@@ -2932,7 +2932,7 @@
           <a:p>
             <a:fld id="{3B8967A0-0866-43F6-A4C7-69C314AC543C}" type="datetimeFigureOut">
               <a:rPr lang="en-US" smtClean="0"/>
-              <a:t>12/3/2018</a:t>
+              <a:t>12/14/2018</a:t>
             </a:fld>
             <a:endParaRPr lang="en-US"/>
           </a:p>
@@ -3453,6 +3453,42 @@
           </a:p>
         </p:txBody>
       </p:sp>
+      <p:pic>
+        <p:nvPicPr>
+          <p:cNvPr id="3" name="Picture 2">
+            <a:extLst>
+              <a:ext uri="{FF2B5EF4-FFF2-40B4-BE49-F238E27FC236}">
+                <a16:creationId xmlns:a16="http://schemas.microsoft.com/office/drawing/2014/main" id="{DE9E46CF-C461-479C-8655-A8A52F1D62C4}"/>
+              </a:ext>
+            </a:extLst>
+          </p:cNvPr>
+          <p:cNvPicPr>
+            <a:picLocks noChangeAspect="1"/>
+          </p:cNvPicPr>
+          <p:nvPr/>
+        </p:nvPicPr>
+        <p:blipFill>
+          <a:blip r:embed="rId4">
+            <a:extLst>
+              <a:ext uri="{28A0092B-C50C-407E-A947-70E740481C1C}">
+                <a14:useLocalDpi xmlns:a14="http://schemas.microsoft.com/office/drawing/2010/main" val="0"/>
+              </a:ext>
+            </a:extLst>
+          </a:blip>
+          <a:stretch>
+            <a:fillRect/>
+          </a:stretch>
+        </p:blipFill>
+        <p:spPr>
+          <a:xfrm>
+            <a:off x="7744319" y="2114550"/>
+            <a:ext cx="625958" cy="1537189"/>
+          </a:xfrm>
+          <a:prstGeom prst="rect">
+            <a:avLst/>
+          </a:prstGeom>
+        </p:spPr>
+      </p:pic>
     </p:spTree>
     <p:extLst>
       <p:ext uri="{BB962C8B-B14F-4D97-AF65-F5344CB8AC3E}">
